--- a/assets/Slide Backup class 11.pptx
+++ b/assets/Slide Backup class 11.pptx
@@ -3561,7 +3561,7 @@
             <a:pPr algn="ctr"/>
             <a:r>
               <a:rPr lang="en-US" dirty="0"/>
-              <a:t>Instrument (I)</a:t>
+              <a:t>Instrument (W)</a:t>
             </a:r>
           </a:p>
         </p:txBody>
@@ -4060,7 +4060,7 @@
             <a:pPr algn="ctr"/>
             <a:r>
               <a:rPr lang="en-US" dirty="0"/>
-              <a:t>Instrument (I)</a:t>
+              <a:t>Instrument (W)</a:t>
             </a:r>
           </a:p>
         </p:txBody>
@@ -4211,8 +4211,8 @@
         </p:nvSpPr>
         <p:spPr>
           <a:xfrm>
-            <a:off x="8512840" y="1423159"/>
-            <a:ext cx="1645920" cy="513428"/>
+            <a:off x="8380909" y="1399708"/>
+            <a:ext cx="1828800" cy="570476"/>
           </a:xfrm>
           <a:prstGeom prst="rect">
             <a:avLst/>
@@ -4269,8 +4269,8 @@
         </p:nvSpPr>
         <p:spPr>
           <a:xfrm>
-            <a:off x="8512840" y="824186"/>
-            <a:ext cx="1645920" cy="524894"/>
+            <a:off x="8380909" y="783155"/>
+            <a:ext cx="1828800" cy="583216"/>
           </a:xfrm>
           <a:prstGeom prst="rect">
             <a:avLst/>
@@ -4320,8 +4320,8 @@
         </p:nvSpPr>
         <p:spPr>
           <a:xfrm>
-            <a:off x="8512840" y="2602408"/>
-            <a:ext cx="1645920" cy="517664"/>
+            <a:off x="8373003" y="2612041"/>
+            <a:ext cx="1844612" cy="507742"/>
           </a:xfrm>
           <a:prstGeom prst="rect">
             <a:avLst/>
@@ -4350,14 +4350,7 @@
             <a:pPr algn="ctr"/>
             <a:r>
               <a:rPr lang="en-US" sz="1200" dirty="0"/>
-              <a:t>4. Reverse causality</a:t>
-            </a:r>
-          </a:p>
-          <a:p>
-            <a:pPr algn="ctr"/>
-            <a:r>
-              <a:rPr lang="en-US" sz="1200" dirty="0"/>
-              <a:t>(Y -&gt; X)</a:t>
+              <a:t>4. Simultaneous / reverse causality</a:t>
             </a:r>
           </a:p>
         </p:txBody>
@@ -4378,8 +4371,8 @@
         </p:nvSpPr>
         <p:spPr>
           <a:xfrm>
-            <a:off x="8512840" y="2010665"/>
-            <a:ext cx="1645920" cy="517665"/>
+            <a:off x="8380909" y="2003521"/>
+            <a:ext cx="1828800" cy="575183"/>
           </a:xfrm>
           <a:prstGeom prst="rect">
             <a:avLst/>
@@ -4576,8 +4569,8 @@
         </p:nvSpPr>
         <p:spPr>
           <a:xfrm>
-            <a:off x="8512840" y="3194151"/>
-            <a:ext cx="1645920" cy="517664"/>
+            <a:off x="8380909" y="3153120"/>
+            <a:ext cx="1828800" cy="575182"/>
           </a:xfrm>
           <a:prstGeom prst="rect">
             <a:avLst/>
